--- a/Presentations/IA_CSP.pptx
+++ b/Presentations/IA_CSP.pptx
@@ -26867,10 +26867,10 @@
               <a:buNone/>
             </a:pPr>
             <a:r>
-              <a:rPr lang="en" b="1"/>
+              <a:rPr lang="en" b="1" dirty="0"/>
               <a:t>Visual Studio</a:t>
             </a:r>
-            <a:endParaRPr lang="en-US"/>
+            <a:endParaRPr lang="en-US" dirty="0"/>
           </a:p>
           <a:p>
             <a:pPr marL="285750" indent="-285750">
@@ -26878,7 +26878,7 @@
               <a:buChar char="Ø"/>
             </a:pPr>
             <a:r>
-              <a:rPr lang="fr-FR" err="1">
+              <a:rPr lang="fr-FR" dirty="0" err="1">
                 <a:solidFill>
                   <a:srgbClr val="33DAD6"/>
                 </a:solidFill>
@@ -26886,7 +26886,7 @@
               <a:t>Pythonnet</a:t>
             </a:r>
             <a:r>
-              <a:rPr lang="fr-FR">
+              <a:rPr lang="fr-FR" dirty="0">
                 <a:solidFill>
                   <a:srgbClr val="33DAD6"/>
                 </a:solidFill>
@@ -26894,14 +26894,14 @@
               <a:t> / </a:t>
             </a:r>
             <a:r>
-              <a:rPr lang="fr-FR" err="1">
+              <a:rPr lang="fr-FR" dirty="0" err="1">
                 <a:solidFill>
                   <a:srgbClr val="33DAD6"/>
                 </a:solidFill>
               </a:rPr>
               <a:t>IronPython</a:t>
             </a:r>
-            <a:endParaRPr lang="fr-FR">
+            <a:endParaRPr lang="fr-FR" dirty="0">
               <a:solidFill>
                 <a:srgbClr val="33DAD6"/>
               </a:solidFill>
@@ -26913,7 +26913,7 @@
               <a:buChar char="Ø"/>
             </a:pPr>
             <a:r>
-              <a:rPr lang="fr-FR"/>
+              <a:rPr lang="fr-FR" dirty="0"/>
               <a:t>Outil de Débogage</a:t>
             </a:r>
           </a:p>
@@ -26923,18 +26923,18 @@
               <a:buChar char="Ø"/>
             </a:pPr>
             <a:r>
-              <a:rPr lang="fr-FR" err="1"/>
+              <a:rPr lang="fr-FR" dirty="0" err="1"/>
               <a:t>NuGet</a:t>
             </a:r>
             <a:r>
-              <a:rPr lang="fr-FR"/>
+              <a:rPr lang="fr-FR" dirty="0"/>
               <a:t> : </a:t>
             </a:r>
             <a:r>
-              <a:rPr lang="fr-FR" err="1"/>
+              <a:rPr lang="fr-FR" dirty="0" err="1"/>
               <a:t>Microsoft.NETCore.App</a:t>
             </a:r>
-            <a:endParaRPr lang="fr-FR"/>
+            <a:endParaRPr lang="fr-FR" dirty="0"/>
           </a:p>
         </p:txBody>
       </p:sp>
@@ -30462,18 +30462,18 @@
               <a:buNone/>
             </a:pPr>
             <a:r>
-              <a:rPr lang="fr-FR" u="sng"/>
+              <a:rPr lang="fr-FR" u="sng" dirty="0"/>
               <a:t>CSP</a:t>
             </a:r>
             <a:r>
-              <a:rPr lang="fr-FR"/>
+              <a:rPr lang="fr-FR" dirty="0"/>
               <a:t> : Problème de satisfaction de contraintes (</a:t>
             </a:r>
             <a:r>
-              <a:rPr lang="en" i="1"/>
+              <a:rPr lang="en" i="1" dirty="0"/>
               <a:t>Constraint Satisfaction Problem)</a:t>
             </a:r>
-            <a:endParaRPr lang="fr-FR"/>
+            <a:endParaRPr lang="fr-FR" dirty="0"/>
           </a:p>
           <a:p>
             <a:pPr marL="285750" indent="-285750">
@@ -30481,7 +30481,7 @@
               <a:buChar char="Ø"/>
             </a:pPr>
             <a:r>
-              <a:rPr lang="fr-FR"/>
+              <a:rPr lang="fr-FR" dirty="0"/>
               <a:t>Un ensemble de contraintes (numériques ou booléennes) impliquant un certain nombre de variables. Chaque contrainte restreint les valeurs que peuvent prendre les variables.</a:t>
             </a:r>
           </a:p>
@@ -30490,11 +30490,11 @@
               <a:buNone/>
             </a:pPr>
             <a:r>
-              <a:rPr lang="fr-FR" u="sng"/>
+              <a:rPr lang="fr-FR" u="sng" dirty="0"/>
               <a:t>Objectif</a:t>
             </a:r>
             <a:r>
-              <a:rPr lang="fr-FR"/>
+              <a:rPr lang="fr-FR" dirty="0"/>
               <a:t> : trouver une affectation complète des valeurs aux variables afin de satisfaire toutes les contraintes du problème</a:t>
             </a:r>
           </a:p>
@@ -30503,12 +30503,12 @@
               <a:buNone/>
             </a:pPr>
             <a:r>
-              <a:rPr lang="fr-FR" u="sng"/>
+              <a:rPr lang="fr-FR" u="sng" dirty="0"/>
               <a:t>Contrainte</a:t>
             </a:r>
             <a:r>
-              <a:rPr lang="fr-FR"/>
-              <a:t> : Les problèmes sont souvent fortement combinatoire ce qui leur donne une grande complexité</a:t>
+              <a:rPr lang="fr-FR" dirty="0"/>
+              <a:t> : Les problèmes sont souvent fortement combinatoires ce qui leur donnent une grande complexité</a:t>
             </a:r>
           </a:p>
           <a:p>
@@ -30517,7 +30517,7 @@
               <a:buChar char="Ø"/>
             </a:pPr>
             <a:r>
-              <a:rPr lang="fr-FR"/>
+              <a:rPr lang="fr-FR" dirty="0"/>
               <a:t>Combine des techniques de raisonnement et de déduction avec du calcul.</a:t>
             </a:r>
           </a:p>
@@ -30624,39 +30624,39 @@
           <a:lstStyle/>
           <a:p>
             <a:r>
-              <a:rPr lang="fr-FR" sz="1050"/>
-              <a:t>Les règles du sudoku sont composées de contraintes. Le CSP fonctionne sur des contraintes. Ils y a des facilité dans l’utilisation de cette méthode, notamment avec la présence de :</a:t>
+              <a:rPr lang="fr-FR" sz="1050" dirty="0"/>
+              <a:t>Les règles du sudoku sont composées de contraintes. Le CSP fonctionne sur des contraintes. Il y a des facilités dans l’utilisation de cette méthode, notamment avec la présence de :</a:t>
             </a:r>
           </a:p>
           <a:p>
             <a:pPr lvl="1"/>
             <a:r>
-              <a:rPr lang="fr-FR" sz="1050"/>
+              <a:rPr lang="fr-FR" sz="1050" dirty="0"/>
               <a:t>Une affectation  totale (instancie toutes les variables du problème)</a:t>
             </a:r>
           </a:p>
           <a:p>
             <a:pPr lvl="1"/>
             <a:r>
-              <a:rPr lang="fr-FR" sz="1050"/>
+              <a:rPr lang="fr-FR" sz="1050" dirty="0"/>
               <a:t>Contraintes numériques (portant sur des variables à valeurs numériques)</a:t>
             </a:r>
           </a:p>
           <a:p>
             <a:pPr lvl="1"/>
             <a:r>
-              <a:rPr lang="fr-FR" sz="1050"/>
+              <a:rPr lang="fr-FR" sz="1050" dirty="0"/>
               <a:t>Globale ou d’ordre supérieur (contraintes avec 3 variables ou plus)</a:t>
             </a:r>
           </a:p>
           <a:p>
-            <a:endParaRPr lang="fr-FR" sz="1050"/>
+            <a:endParaRPr lang="fr-FR" sz="1050" dirty="0"/>
           </a:p>
           <a:p>
             <a:pPr marL="482600" indent="-342900">
               <a:buAutoNum type="arabicPeriod"/>
             </a:pPr>
-            <a:endParaRPr lang="fr-FR" sz="1050"/>
+            <a:endParaRPr lang="fr-FR" sz="1050" dirty="0"/>
           </a:p>
         </p:txBody>
       </p:sp>
@@ -30886,7 +30886,7 @@
         </p:nvSpPr>
         <p:spPr>
           <a:xfrm>
-            <a:off x="834629" y="2384393"/>
+            <a:off x="834629" y="2380900"/>
             <a:ext cx="6345835" cy="2653221"/>
           </a:xfrm>
         </p:spPr>
@@ -30895,160 +30895,40 @@
           <a:lstStyle/>
           <a:p>
             <a:r>
-              <a:rPr lang="en-US"/>
-              <a:t>•</a:t>
-            </a:r>
-            <a:r>
-              <a:rPr lang="en-US" err="1"/>
-              <a:t>Permet</a:t>
-            </a:r>
-            <a:r>
-              <a:rPr lang="en-US"/>
-              <a:t> </a:t>
-            </a:r>
-            <a:r>
-              <a:rPr lang="en-US" err="1"/>
-              <a:t>l’utilisation</a:t>
-            </a:r>
-            <a:r>
-              <a:rPr lang="en-US"/>
-              <a:t> </a:t>
-            </a:r>
-            <a:r>
-              <a:rPr lang="en-US" err="1"/>
-              <a:t>d’algorithmes</a:t>
-            </a:r>
-            <a:r>
-              <a:rPr lang="en-US"/>
-              <a:t> </a:t>
-            </a:r>
-            <a:r>
-              <a:rPr lang="en-US" err="1"/>
-              <a:t>généraux</a:t>
-            </a:r>
-            <a:r>
-              <a:rPr lang="en-US"/>
-              <a:t> plus puissant que les </a:t>
-            </a:r>
-            <a:r>
-              <a:rPr lang="en-US" err="1"/>
-              <a:t>algorithmes</a:t>
-            </a:r>
-            <a:r>
-              <a:rPr lang="en-US"/>
-              <a:t> standards </a:t>
-            </a:r>
-            <a:r>
-              <a:rPr lang="en-US" err="1"/>
-              <a:t>d’exploration</a:t>
-            </a:r>
-            <a:r>
-              <a:rPr lang="en-US"/>
-              <a:t>.</a:t>
+              <a:rPr lang="fr-FR" dirty="0"/>
+              <a:t>Permet l’utilisation d’algorithmes généraux plus puissant que les algorithmes standards d’exploration.</a:t>
             </a:r>
           </a:p>
           <a:p>
             <a:r>
-              <a:rPr lang="en-US"/>
-              <a:t>•CSP et le Sudoku </a:t>
-            </a:r>
-            <a:r>
-              <a:rPr lang="en-US" err="1"/>
-              <a:t>fonctionnent</a:t>
-            </a:r>
-            <a:r>
-              <a:rPr lang="en-US"/>
-              <a:t> tout les deux sur un </a:t>
-            </a:r>
-            <a:r>
-              <a:rPr lang="en-US" err="1"/>
-              <a:t>système</a:t>
-            </a:r>
-            <a:r>
-              <a:rPr lang="en-US"/>
-              <a:t> de </a:t>
-            </a:r>
-            <a:r>
-              <a:rPr lang="en-US" err="1"/>
-              <a:t>contraintes</a:t>
-            </a:r>
-            <a:r>
-              <a:rPr lang="en-US"/>
-              <a:t>. Rend </a:t>
-            </a:r>
-            <a:r>
-              <a:rPr lang="en-US" err="1"/>
-              <a:t>l’utilisation</a:t>
-            </a:r>
-            <a:r>
-              <a:rPr lang="en-US"/>
-              <a:t> de </a:t>
-            </a:r>
-            <a:r>
-              <a:rPr lang="en-US" err="1"/>
-              <a:t>cette</a:t>
-            </a:r>
-            <a:r>
-              <a:rPr lang="en-US"/>
-              <a:t> </a:t>
-            </a:r>
-            <a:r>
-              <a:rPr lang="en-US" err="1"/>
-              <a:t>méthode</a:t>
-            </a:r>
-            <a:r>
-              <a:rPr lang="en-US"/>
-              <a:t> de </a:t>
-            </a:r>
-            <a:r>
-              <a:rPr lang="en-US" err="1"/>
-              <a:t>résolution</a:t>
-            </a:r>
-            <a:r>
-              <a:rPr lang="en-US"/>
-              <a:t> plus intuitive. </a:t>
+              <a:rPr lang="fr-FR" dirty="0"/>
+              <a:t>CSP et le Sudoku fonctionnent tous les deux sur un système de contraintes. Ils rendent l’utilisation de cette méthode de résolution plus intuitive. </a:t>
             </a:r>
           </a:p>
           <a:p>
             <a:r>
-              <a:rPr lang="en-US"/>
-              <a:t>•</a:t>
+              <a:rPr lang="fr-FR" dirty="0"/>
+              <a:t>Plusieurs possibilités pour résoudre le Sudoku (</a:t>
             </a:r>
             <a:r>
-              <a:rPr lang="en-US" err="1"/>
-              <a:t>Plusieurs</a:t>
+              <a:rPr lang="fr-FR" dirty="0" err="1"/>
+              <a:t>Solvers</a:t>
             </a:r>
             <a:r>
-              <a:rPr lang="en-US"/>
-              <a:t> </a:t>
+              <a:rPr lang="fr-FR" dirty="0"/>
+              <a:t> : </a:t>
             </a:r>
             <a:r>
-              <a:rPr lang="en-US" err="1"/>
-              <a:t>possibilités</a:t>
-            </a:r>
-            <a:r>
-              <a:rPr lang="en-US"/>
-              <a:t> pour </a:t>
-            </a:r>
-            <a:r>
-              <a:rPr lang="en-US" err="1"/>
-              <a:t>résoudre</a:t>
-            </a:r>
-            <a:r>
-              <a:rPr lang="en-US"/>
-              <a:t> le Sudoku (Solvers : </a:t>
-            </a:r>
-            <a:r>
-              <a:rPr lang="en-US" err="1"/>
+              <a:rPr lang="fr-FR" dirty="0" err="1"/>
               <a:t>AbsCon</a:t>
             </a:r>
             <a:r>
-              <a:rPr lang="en-US"/>
+              <a:rPr lang="fr-FR" dirty="0"/>
               <a:t>, Choco).</a:t>
             </a:r>
           </a:p>
           <a:p>
-            <a:endParaRPr lang="en-US"/>
+            <a:endParaRPr lang="fr-FR" dirty="0"/>
           </a:p>
         </p:txBody>
       </p:sp>
